--- a/BDD - Specification By Examples.pptx
+++ b/BDD - Specification By Examples.pptx
@@ -7,6 +7,7 @@
   <p:sldIdLst>
     <p:sldId id="256" r:id="rId3"/>
     <p:sldId id="257" r:id="rId4"/>
+    <p:sldId id="259" r:id="rId5"/>
   </p:sldIdLst>
   <p:sldSz cx="12192000" cy="6858000"/>
   <p:notesSz cx="6858000" cy="9144000"/>
@@ -2938,14 +2939,6 @@
             <a:normAutofit/>
           </a:bodyPr>
           <a:p>
-            <a:r>
-              <a:rPr lang="en-GB" altLang="en-US" sz="4000" b="1">
-                <a:solidFill>
-                  <a:srgbClr val="00B050"/>
-                </a:solidFill>
-              </a:rPr>
-              <a:t>Behaviour Driven Development (BDD) </a:t>
-            </a:r>
             <a:br>
               <a:rPr lang="en-GB" altLang="en-US" sz="4000" b="1">
                 <a:solidFill>
@@ -2959,7 +2952,22 @@
                   <a:srgbClr val="00B050"/>
                 </a:solidFill>
               </a:rPr>
-              <a:t>Specification By Examples (SBE)</a:t>
+              <a:t>Specification By Examples for </a:t>
+            </a:r>
+            <a:br>
+              <a:rPr lang="en-GB" altLang="en-US" sz="4000" b="1">
+                <a:solidFill>
+                  <a:srgbClr val="00B050"/>
+                </a:solidFill>
+              </a:rPr>
+            </a:br>
+            <a:r>
+              <a:rPr lang="en-GB" altLang="en-US" sz="4000" b="1">
+                <a:solidFill>
+                  <a:srgbClr val="00B050"/>
+                </a:solidFill>
+              </a:rPr>
+              <a:t>Person to Person (P2P) Mobile payments</a:t>
             </a:r>
             <a:endParaRPr lang="en-GB" altLang="en-US" sz="4000" b="1">
               <a:solidFill>
@@ -2981,8 +2989,8 @@
         </p:nvSpPr>
         <p:spPr>
           <a:xfrm>
-            <a:off x="1524635" y="3602990"/>
-            <a:ext cx="9591675" cy="1655445"/>
+            <a:off x="1524635" y="3603625"/>
+            <a:ext cx="9949180" cy="1655445"/>
           </a:xfrm>
         </p:spPr>
         <p:txBody>
@@ -2995,7 +3003,7 @@
             </a:r>
             <a:r>
               <a:rPr lang="en-GB" altLang="en-US"/>
-              <a:t> is to elaborate on behaviour driven development collaborating with development, test and architecture. System behaviours are elaborated as Specification By Examples (SBE)</a:t>
+              <a:t> is to elaborates various scenarios involved in Person to Person Payments as Specification by Examples.</a:t>
             </a:r>
             <a:endParaRPr lang="en-GB" altLang="en-US"/>
           </a:p>
@@ -3046,7 +3054,7 @@
                   <a:srgbClr val="00B050"/>
                 </a:solidFill>
               </a:rPr>
-              <a:t>SBE's for Peer to Peer (P2P) Mobile Payments</a:t>
+              <a:t>Scenario: Share a lunch bill with friend </a:t>
             </a:r>
             <a:endParaRPr lang="en-GB" altLang="en-US" b="1">
               <a:solidFill>
@@ -3152,8 +3160,9 @@
             </a:pPr>
             <a:endParaRPr lang="en-GB" altLang="en-US" sz="1800">
               <a:solidFill>
-                <a:srgbClr val="00B050"/>
+                <a:schemeClr val="accent5"/>
               </a:solidFill>
+              <a:sym typeface="+mn-ea"/>
             </a:endParaRPr>
           </a:p>
           <a:p>
@@ -3206,6 +3215,95 @@
                 <a:sym typeface="+mn-ea"/>
               </a:rPr>
               <a:t>THEN	I'm presented to enter the amount to pay in 2 decimal places</a:t>
+            </a:r>
+            <a:endParaRPr lang="en-GB" altLang="en-US" sz="1800">
+              <a:solidFill>
+                <a:srgbClr val="00B050"/>
+              </a:solidFill>
+              <a:sym typeface="+mn-ea"/>
+            </a:endParaRPr>
+          </a:p>
+          <a:p>
+            <a:pPr marL="0" indent="0">
+              <a:buNone/>
+            </a:pPr>
+            <a:endParaRPr lang="en-GB" altLang="en-US" sz="1800">
+              <a:solidFill>
+                <a:schemeClr val="accent5"/>
+              </a:solidFill>
+              <a:sym typeface="+mn-ea"/>
+            </a:endParaRPr>
+          </a:p>
+          <a:p>
+            <a:pPr marL="0" indent="0">
+              <a:buNone/>
+            </a:pPr>
+            <a:r>
+              <a:rPr lang="en-GB" altLang="en-US" sz="1800">
+                <a:solidFill>
+                  <a:schemeClr val="accent5"/>
+                </a:solidFill>
+                <a:sym typeface="+mn-ea"/>
+              </a:rPr>
+              <a:t>GIVEN 	I'm presented to enter the amount to pay in 2 decimal places</a:t>
+            </a:r>
+            <a:endParaRPr lang="en-GB" altLang="en-US" sz="1800">
+              <a:solidFill>
+                <a:schemeClr val="accent5"/>
+              </a:solidFill>
+            </a:endParaRPr>
+          </a:p>
+          <a:p>
+            <a:pPr marL="0" indent="0">
+              <a:buNone/>
+            </a:pPr>
+            <a:r>
+              <a:rPr lang="en-GB" altLang="en-US" sz="1800">
+                <a:solidFill>
+                  <a:srgbClr val="FF0000"/>
+                </a:solidFill>
+                <a:sym typeface="+mn-ea"/>
+              </a:rPr>
+              <a:t>WHEN	I enter the amount in 2 decimal places and confirm </a:t>
+            </a:r>
+            <a:endParaRPr lang="en-GB" altLang="en-US" sz="1800">
+              <a:solidFill>
+                <a:srgbClr val="FF0000"/>
+              </a:solidFill>
+            </a:endParaRPr>
+          </a:p>
+          <a:p>
+            <a:pPr marL="0" indent="0">
+              <a:buNone/>
+            </a:pPr>
+            <a:r>
+              <a:rPr lang="en-GB" altLang="en-US" sz="1800">
+                <a:solidFill>
+                  <a:srgbClr val="00B050"/>
+                </a:solidFill>
+                <a:sym typeface="+mn-ea"/>
+              </a:rPr>
+              <a:t>THEN	I'm presented with a message that the money is sent to recepient pending his approval</a:t>
+            </a:r>
+            <a:endParaRPr lang="en-GB" altLang="en-US" sz="1800">
+              <a:solidFill>
+                <a:srgbClr val="00B050"/>
+              </a:solidFill>
+              <a:sym typeface="+mn-ea"/>
+            </a:endParaRPr>
+          </a:p>
+          <a:p>
+            <a:pPr marL="0" indent="0">
+              <a:buNone/>
+            </a:pPr>
+            <a:r>
+              <a:rPr lang="en-GB" altLang="en-US" sz="1800">
+                <a:solidFill>
+                  <a:srgbClr val="00B050"/>
+                </a:solidFill>
+                <a:sym typeface="+mn-ea"/>
+              </a:rPr>
+              <a:t>	AND a SMS text is sent to recepient's mobile to approve the money received</a:t>
             </a:r>
             <a:endParaRPr lang="en-GB" altLang="en-US" sz="1800">
               <a:solidFill>
@@ -3229,14 +3327,100 @@
             <a:pPr marL="0" indent="0">
               <a:buNone/>
             </a:pPr>
+            <a:endParaRPr lang="en-GB" altLang="en-US" sz="1800">
+              <a:solidFill>
+                <a:srgbClr val="00B050"/>
+              </a:solidFill>
+            </a:endParaRPr>
+          </a:p>
+        </p:txBody>
+      </p:sp>
+    </p:spTree>
+  </p:cSld>
+  <p:clrMapOvr>
+    <a:masterClrMapping/>
+  </p:clrMapOvr>
+</p:sld>
+</file>
+
+<file path=ppt/slides/slide3.xml><?xml version="1.0" encoding="utf-8"?>
+<p:sld xmlns:a="http://schemas.openxmlformats.org/drawingml/2006/main" xmlns:r="http://schemas.openxmlformats.org/officeDocument/2006/relationships" xmlns:p="http://schemas.openxmlformats.org/presentationml/2006/main">
+  <p:cSld>
+    <p:spTree>
+      <p:nvGrpSpPr>
+        <p:cNvPr id="1" name=""/>
+        <p:cNvGrpSpPr/>
+        <p:nvPr/>
+      </p:nvGrpSpPr>
+      <p:grpSpPr/>
+      <p:sp>
+        <p:nvSpPr>
+          <p:cNvPr id="2" name="Title 1"/>
+          <p:cNvSpPr>
+            <a:spLocks noGrp="1"/>
+          </p:cNvSpPr>
+          <p:nvPr>
+            <p:ph type="title"/>
+          </p:nvPr>
+        </p:nvSpPr>
+        <p:spPr>
+          <a:xfrm>
+            <a:off x="838200" y="365125"/>
+            <a:ext cx="10515600" cy="715010"/>
+          </a:xfrm>
+        </p:spPr>
+        <p:txBody>
+          <a:bodyPr>
+            <a:normAutofit fontScale="90000"/>
+          </a:bodyPr>
+          <a:p>
+            <a:r>
+              <a:rPr lang="en-GB" altLang="en-US" b="1">
+                <a:solidFill>
+                  <a:srgbClr val="00B050"/>
+                </a:solidFill>
+              </a:rPr>
+              <a:t>Scenario: Request money from a friend</a:t>
+            </a:r>
+            <a:endParaRPr lang="en-GB" altLang="en-US" b="1">
+              <a:solidFill>
+                <a:srgbClr val="00B050"/>
+              </a:solidFill>
+            </a:endParaRPr>
+          </a:p>
+        </p:txBody>
+      </p:sp>
+      <p:sp>
+        <p:nvSpPr>
+          <p:cNvPr id="3" name="Content Placeholder 2"/>
+          <p:cNvSpPr>
+            <a:spLocks noGrp="1"/>
+          </p:cNvSpPr>
+          <p:nvPr>
+            <p:ph idx="1"/>
+          </p:nvPr>
+        </p:nvSpPr>
+        <p:spPr>
+          <a:xfrm>
+            <a:off x="838200" y="1125855"/>
+            <a:ext cx="10515600" cy="5445125"/>
+          </a:xfrm>
+        </p:spPr>
+        <p:txBody>
+          <a:bodyPr>
+            <a:normAutofit lnSpcReduction="20000"/>
+          </a:bodyPr>
+          <a:p>
+            <a:pPr marL="0" indent="0">
+              <a:buNone/>
+            </a:pPr>
             <a:r>
               <a:rPr lang="en-GB" altLang="en-US" sz="1800">
                 <a:solidFill>
                   <a:schemeClr val="accent5"/>
                 </a:solidFill>
-                <a:sym typeface="+mn-ea"/>
               </a:rPr>
-              <a:t>GIVEN 	I'm presented to enter the amount to pay in 2 decimal places</a:t>
+              <a:t>GIVEN 	I'm a mobile phone user</a:t>
             </a:r>
             <a:endParaRPr lang="en-GB" altLang="en-US" sz="1800">
               <a:solidFill>
@@ -3251,11 +3435,28 @@
             <a:r>
               <a:rPr lang="en-GB" altLang="en-US" sz="1800">
                 <a:solidFill>
+                  <a:schemeClr val="accent5"/>
+                </a:solidFill>
+              </a:rPr>
+              <a:t>	AND I want to request mony from a friend</a:t>
+            </a:r>
+            <a:endParaRPr lang="en-GB" altLang="en-US" sz="1800">
+              <a:solidFill>
+                <a:schemeClr val="accent5"/>
+              </a:solidFill>
+            </a:endParaRPr>
+          </a:p>
+          <a:p>
+            <a:pPr marL="0" indent="0">
+              <a:buNone/>
+            </a:pPr>
+            <a:r>
+              <a:rPr lang="en-GB" altLang="en-US" sz="1800">
+                <a:solidFill>
                   <a:srgbClr val="FF0000"/>
                 </a:solidFill>
-                <a:sym typeface="+mn-ea"/>
               </a:rPr>
-              <a:t>WHEN	I enter the amount in 2 decimal places and confirm </a:t>
+              <a:t>WHEN	I search for my friends contact by name</a:t>
             </a:r>
             <a:endParaRPr lang="en-GB" altLang="en-US" sz="1800">
               <a:solidFill>
@@ -3272,9 +3473,76 @@
                 <a:solidFill>
                   <a:srgbClr val="00B050"/>
                 </a:solidFill>
+              </a:rPr>
+              <a:t>THEN	I'm presented with my friends name and contact details to select and  request money</a:t>
+            </a:r>
+            <a:endParaRPr lang="en-GB" altLang="en-US" sz="1800">
+              <a:solidFill>
+                <a:srgbClr val="00B050"/>
+              </a:solidFill>
+            </a:endParaRPr>
+          </a:p>
+          <a:p>
+            <a:pPr marL="0" indent="0">
+              <a:buNone/>
+            </a:pPr>
+            <a:endParaRPr lang="en-GB" altLang="en-US" sz="1800">
+              <a:solidFill>
+                <a:schemeClr val="accent5"/>
+              </a:solidFill>
+              <a:sym typeface="+mn-ea"/>
+            </a:endParaRPr>
+          </a:p>
+          <a:p>
+            <a:pPr marL="0" indent="0">
+              <a:buNone/>
+            </a:pPr>
+            <a:r>
+              <a:rPr lang="en-GB" altLang="en-US" sz="1800">
+                <a:solidFill>
+                  <a:schemeClr val="accent5"/>
+                </a:solidFill>
                 <a:sym typeface="+mn-ea"/>
               </a:rPr>
-              <a:t>THEN	I'm presented with a message that the money is sent to recepient pending his approval</a:t>
+              <a:t>GIVEN 	I'm presented with my friends name and contact details to select and request money</a:t>
+            </a:r>
+            <a:endParaRPr lang="en-GB" altLang="en-US" sz="1800">
+              <a:solidFill>
+                <a:schemeClr val="accent5"/>
+              </a:solidFill>
+            </a:endParaRPr>
+          </a:p>
+          <a:p>
+            <a:pPr marL="0" indent="0">
+              <a:buNone/>
+            </a:pPr>
+            <a:r>
+              <a:rPr lang="en-GB" altLang="en-US" sz="1800">
+                <a:solidFill>
+                  <a:srgbClr val="FF0000"/>
+                </a:solidFill>
+                <a:sym typeface="+mn-ea"/>
+              </a:rPr>
+              <a:t>WHEN	I select the friends contact to request mony from </a:t>
+            </a:r>
+            <a:endParaRPr lang="en-GB" altLang="en-US" sz="1800">
+              <a:solidFill>
+                <a:srgbClr val="FF0000"/>
+              </a:solidFill>
+            </a:endParaRPr>
+          </a:p>
+          <a:p>
+            <a:pPr marL="0" indent="0">
+              <a:buNone/>
+            </a:pPr>
+            <a:r>
+              <a:rPr lang="en-GB" altLang="en-US" sz="1800">
+                <a:solidFill>
+                  <a:srgbClr val="00B050"/>
+                </a:solidFill>
+                <a:sym typeface="+mn-ea"/>
+              </a:rPr>
+              <a:t>THEN	I'm presented to enter the amount I want to request in 2 decimal places</a:t>
             </a:r>
             <a:endParaRPr lang="en-GB" altLang="en-US" sz="1800">
               <a:solidFill>
@@ -3287,15 +3555,166 @@
             <a:pPr marL="0" indent="0">
               <a:buNone/>
             </a:pPr>
+            <a:endParaRPr lang="en-GB" altLang="en-US" sz="1800">
+              <a:solidFill>
+                <a:schemeClr val="accent5"/>
+              </a:solidFill>
+              <a:sym typeface="+mn-ea"/>
+            </a:endParaRPr>
+          </a:p>
+          <a:p>
+            <a:pPr marL="0" indent="0">
+              <a:buNone/>
+            </a:pPr>
             <a:r>
               <a:rPr lang="en-GB" altLang="en-US" sz="1800">
                 <a:solidFill>
-                  <a:srgbClr val="00B050"/>
+                  <a:schemeClr val="accent5"/>
                 </a:solidFill>
                 <a:sym typeface="+mn-ea"/>
               </a:rPr>
-              <a:t>	AND a SMS text is sent to recepient's mobile to approve the money received</a:t>
-            </a:r>
+              <a:t>GIVEN 	I'm presented to enter the amount to pay in 2 decimal places</a:t>
+            </a:r>
+            <a:endParaRPr lang="en-GB" altLang="en-US" sz="1800">
+              <a:solidFill>
+                <a:schemeClr val="accent5"/>
+              </a:solidFill>
+            </a:endParaRPr>
+          </a:p>
+          <a:p>
+            <a:pPr marL="0" indent="0">
+              <a:buNone/>
+            </a:pPr>
+            <a:r>
+              <a:rPr lang="en-GB" altLang="en-US" sz="1800">
+                <a:solidFill>
+                  <a:srgbClr val="FF0000"/>
+                </a:solidFill>
+                <a:sym typeface="+mn-ea"/>
+              </a:rPr>
+              <a:t>WHEN	I enter the amount in 2 decimal places and confirm </a:t>
+            </a:r>
+            <a:endParaRPr lang="en-GB" altLang="en-US" sz="1800">
+              <a:solidFill>
+                <a:srgbClr val="FF0000"/>
+              </a:solidFill>
+            </a:endParaRPr>
+          </a:p>
+          <a:p>
+            <a:pPr marL="0" indent="0">
+              <a:buNone/>
+            </a:pPr>
+            <a:r>
+              <a:rPr lang="en-GB" altLang="en-US" sz="1800">
+                <a:solidFill>
+                  <a:srgbClr val="00B050"/>
+                </a:solidFill>
+                <a:sym typeface="+mn-ea"/>
+              </a:rPr>
+              <a:t>THEN	the friend from who I'm requesting money receives a request notification</a:t>
+            </a:r>
+            <a:endParaRPr lang="en-GB" altLang="en-US" sz="1800">
+              <a:solidFill>
+                <a:srgbClr val="00B050"/>
+              </a:solidFill>
+              <a:sym typeface="+mn-ea"/>
+            </a:endParaRPr>
+          </a:p>
+          <a:p>
+            <a:pPr marL="0" indent="0">
+              <a:buNone/>
+            </a:pPr>
+            <a:endParaRPr lang="en-GB" altLang="en-US" sz="1800">
+              <a:solidFill>
+                <a:srgbClr val="00B050"/>
+              </a:solidFill>
+              <a:sym typeface="+mn-ea"/>
+            </a:endParaRPr>
+          </a:p>
+          <a:p>
+            <a:pPr marL="0" indent="0">
+              <a:buNone/>
+            </a:pPr>
+            <a:r>
+              <a:rPr lang="en-GB" altLang="en-US" sz="1800">
+                <a:solidFill>
+                  <a:schemeClr val="accent5"/>
+                </a:solidFill>
+                <a:sym typeface="+mn-ea"/>
+              </a:rPr>
+              <a:t>GIVEN 	the friend from who I'm requesting money receives a request notification </a:t>
+            </a:r>
+            <a:endParaRPr lang="en-GB" altLang="en-US" sz="1800">
+              <a:solidFill>
+                <a:schemeClr val="accent5"/>
+              </a:solidFill>
+            </a:endParaRPr>
+          </a:p>
+          <a:p>
+            <a:pPr marL="0" indent="0">
+              <a:buNone/>
+            </a:pPr>
+            <a:r>
+              <a:rPr lang="en-GB" altLang="en-US" sz="1800">
+                <a:solidFill>
+                  <a:srgbClr val="FF0000"/>
+                </a:solidFill>
+                <a:sym typeface="+mn-ea"/>
+              </a:rPr>
+              <a:t>WHEN	the friend approves the payment</a:t>
+            </a:r>
+            <a:endParaRPr lang="en-GB" altLang="en-US" sz="1800">
+              <a:solidFill>
+                <a:srgbClr val="FF0000"/>
+              </a:solidFill>
+            </a:endParaRPr>
+          </a:p>
+          <a:p>
+            <a:pPr marL="0" indent="0">
+              <a:buNone/>
+            </a:pPr>
+            <a:r>
+              <a:rPr lang="en-GB" altLang="en-US" sz="1800">
+                <a:solidFill>
+                  <a:srgbClr val="00B050"/>
+                </a:solidFill>
+                <a:sym typeface="+mn-ea"/>
+              </a:rPr>
+              <a:t>THEN	I'm immediately notified of approved payment from my friend</a:t>
+            </a:r>
+            <a:endParaRPr lang="en-GB" altLang="en-US" sz="1800">
+              <a:solidFill>
+                <a:srgbClr val="00B050"/>
+              </a:solidFill>
+              <a:sym typeface="+mn-ea"/>
+            </a:endParaRPr>
+          </a:p>
+          <a:p>
+            <a:pPr marL="0" indent="0">
+              <a:buNone/>
+            </a:pPr>
+            <a:endParaRPr lang="en-GB" altLang="en-US" sz="1800">
+              <a:solidFill>
+                <a:srgbClr val="00B050"/>
+              </a:solidFill>
+              <a:sym typeface="+mn-ea"/>
+            </a:endParaRPr>
+          </a:p>
+          <a:p>
+            <a:pPr marL="0" indent="0">
+              <a:buNone/>
+            </a:pPr>
+            <a:endParaRPr lang="en-GB" altLang="en-US" sz="1800">
+              <a:solidFill>
+                <a:srgbClr val="00B050"/>
+              </a:solidFill>
+              <a:sym typeface="+mn-ea"/>
+            </a:endParaRPr>
+          </a:p>
+          <a:p>
+            <a:pPr marL="0" indent="0">
+              <a:buNone/>
+            </a:pPr>
             <a:endParaRPr lang="en-GB" altLang="en-US" sz="1800">
               <a:solidFill>
                 <a:srgbClr val="00B050"/>

--- a/BDD - Specification By Examples.pptx
+++ b/BDD - Specification By Examples.pptx
@@ -2952,7 +2952,7 @@
                   <a:srgbClr val="00B050"/>
                 </a:solidFill>
               </a:rPr>
-              <a:t>Specification By Examples for </a:t>
+              <a:t>Specification By Examples (SBE's) for </a:t>
             </a:r>
             <a:br>
               <a:rPr lang="en-GB" altLang="en-US" sz="4000" b="1">
@@ -3003,7 +3003,7 @@
             </a:r>
             <a:r>
               <a:rPr lang="en-GB" altLang="en-US"/>
-              <a:t> is to elaborates various scenarios involved in Person to Person Payments as Specification by Examples.</a:t>
+              <a:t> is to elaborate a couple of multiple-step P2P scenarios presenting a flavour of Specification By Examples derived collaboratively between Business Analyst, Developer, Tester, and Architect.</a:t>
             </a:r>
             <a:endParaRPr lang="en-GB" altLang="en-US"/>
           </a:p>
@@ -3054,7 +3054,7 @@
                   <a:srgbClr val="00B050"/>
                 </a:solidFill>
               </a:rPr>
-              <a:t>Scenario: Share a lunch bill with friend </a:t>
+              <a:t>Scenario 1: Share a lunch bill with a friend </a:t>
             </a:r>
             <a:endParaRPr lang="en-GB" altLang="en-US" b="1">
               <a:solidFill>
@@ -3146,7 +3146,7 @@
                   <a:srgbClr val="00B050"/>
                 </a:solidFill>
               </a:rPr>
-              <a:t>THEN	I'm presented with my friends name and contact details to select and pay</a:t>
+              <a:t>THEN	I'm presented with my friends name and contact details to select and pay from</a:t>
             </a:r>
             <a:endParaRPr lang="en-GB" altLang="en-US" sz="1800">
               <a:solidFill>
@@ -3176,7 +3176,7 @@
                 </a:solidFill>
                 <a:sym typeface="+mn-ea"/>
               </a:rPr>
-              <a:t>GIVEN 	I'm presented with my friends name and contact details to select and pay</a:t>
+              <a:t>GIVEN 	I'm presented with my friends name and contact details to select and pay from</a:t>
             </a:r>
             <a:endParaRPr lang="en-GB" altLang="en-US" sz="1800">
               <a:solidFill>
@@ -3380,7 +3380,7 @@
                   <a:srgbClr val="00B050"/>
                 </a:solidFill>
               </a:rPr>
-              <a:t>Scenario: Request money from a friend</a:t>
+              <a:t>Scenario 2: Request money from a friend</a:t>
             </a:r>
             <a:endParaRPr lang="en-GB" altLang="en-US" b="1">
               <a:solidFill>
@@ -3523,7 +3523,7 @@
                 </a:solidFill>
                 <a:sym typeface="+mn-ea"/>
               </a:rPr>
-              <a:t>WHEN	I select the friends contact to request mony from </a:t>
+              <a:t>WHEN	I select the friends contact to request money from </a:t>
             </a:r>
             <a:endParaRPr lang="en-GB" altLang="en-US" sz="1800">
               <a:solidFill>
@@ -3573,7 +3573,7 @@
                 </a:solidFill>
                 <a:sym typeface="+mn-ea"/>
               </a:rPr>
-              <a:t>GIVEN 	I'm presented to enter the amount to pay in 2 decimal places</a:t>
+              <a:t>GIVEN 	I'm presented to enter the amount to request in 2 decimal places</a:t>
             </a:r>
             <a:endParaRPr lang="en-GB" altLang="en-US" sz="1800">
               <a:solidFill>

--- a/BDD - Specification By Examples.pptx
+++ b/BDD - Specification By Examples.pptx
@@ -4,6 +4,9 @@
   <p:sldMasterIdLst>
     <p:sldMasterId id="2147483648" r:id="rId1"/>
   </p:sldMasterIdLst>
+  <p:notesMasterIdLst>
+    <p:notesMasterId r:id="rId6"/>
+  </p:notesMasterIdLst>
   <p:sldIdLst>
     <p:sldId id="256" r:id="rId3"/>
     <p:sldId id="257" r:id="rId4"/>
@@ -109,6 +112,353 @@
 </p:presentation>
 </file>
 
+<file path=ppt/notesMasters/notesMaster1.xml><?xml version="1.0" encoding="utf-8"?>
+<p:notesMaster xmlns:a="http://schemas.openxmlformats.org/drawingml/2006/main" xmlns:r="http://schemas.openxmlformats.org/officeDocument/2006/relationships" xmlns:p="http://schemas.openxmlformats.org/presentationml/2006/main">
+  <p:cSld>
+    <p:bg>
+      <p:bgRef idx="1001">
+        <a:schemeClr val="bg1"/>
+      </p:bgRef>
+    </p:bg>
+    <p:spTree>
+      <p:nvGrpSpPr>
+        <p:cNvPr id="1" name=""/>
+        <p:cNvGrpSpPr/>
+        <p:nvPr/>
+      </p:nvGrpSpPr>
+      <p:grpSpPr>
+        <a:xfrm>
+          <a:off x="0" y="0"/>
+          <a:ext cx="0" cy="0"/>
+          <a:chOff x="0" y="0"/>
+          <a:chExt cx="0" cy="0"/>
+        </a:xfrm>
+      </p:grpSpPr>
+      <p:sp>
+        <p:nvSpPr>
+          <p:cNvPr id="2" name="Header Placeholder 1"/>
+          <p:cNvSpPr>
+            <a:spLocks noGrp="1"/>
+          </p:cNvSpPr>
+          <p:nvPr>
+            <p:ph type="hdr" sz="quarter"/>
+          </p:nvPr>
+        </p:nvSpPr>
+        <p:spPr>
+          <a:xfrm>
+            <a:off x="0" y="0"/>
+            <a:ext cx="2971800" cy="458788"/>
+          </a:xfrm>
+          <a:prstGeom prst="rect">
+            <a:avLst/>
+          </a:prstGeom>
+        </p:spPr>
+        <p:txBody>
+          <a:bodyPr vert="horz" lIns="91440" tIns="45720" rIns="91440" bIns="45720" rtlCol="0"/>
+          <a:lstStyle>
+            <a:lvl1pPr algn="l">
+              <a:defRPr sz="1200"/>
+            </a:lvl1pPr>
+          </a:lstStyle>
+          <a:p>
+            <a:endParaRPr lang="en-US"/>
+          </a:p>
+        </p:txBody>
+      </p:sp>
+      <p:sp>
+        <p:nvSpPr>
+          <p:cNvPr id="3" name="Date Placeholder 2"/>
+          <p:cNvSpPr>
+            <a:spLocks noGrp="1"/>
+          </p:cNvSpPr>
+          <p:nvPr>
+            <p:ph type="dt" idx="1"/>
+          </p:nvPr>
+        </p:nvSpPr>
+        <p:spPr>
+          <a:xfrm>
+            <a:off x="3884613" y="0"/>
+            <a:ext cx="2971800" cy="458788"/>
+          </a:xfrm>
+          <a:prstGeom prst="rect">
+            <a:avLst/>
+          </a:prstGeom>
+        </p:spPr>
+        <p:txBody>
+          <a:bodyPr vert="horz" lIns="91440" tIns="45720" rIns="91440" bIns="45720" rtlCol="0"/>
+          <a:lstStyle>
+            <a:lvl1pPr algn="r">
+              <a:defRPr sz="1200"/>
+            </a:lvl1pPr>
+          </a:lstStyle>
+          <a:p>
+            <a:fld id="{3EFD42F7-718C-4B98-AAEC-167E6DDD60A7}" type="datetimeFigureOut">
+              <a:rPr lang="en-US" smtClean="0"/>
+            </a:fld>
+            <a:endParaRPr lang="en-US"/>
+          </a:p>
+        </p:txBody>
+      </p:sp>
+      <p:sp>
+        <p:nvSpPr>
+          <p:cNvPr id="4" name="Slide Image Placeholder 3"/>
+          <p:cNvSpPr>
+            <a:spLocks noGrp="1" noRot="1" noChangeAspect="1"/>
+          </p:cNvSpPr>
+          <p:nvPr>
+            <p:ph type="sldImg" idx="2"/>
+          </p:nvPr>
+        </p:nvSpPr>
+        <p:spPr>
+          <a:xfrm>
+            <a:off x="685800" y="1143000"/>
+            <a:ext cx="5486400" cy="3086100"/>
+          </a:xfrm>
+          <a:prstGeom prst="rect">
+            <a:avLst/>
+          </a:prstGeom>
+          <a:noFill/>
+          <a:ln w="12700">
+            <a:solidFill>
+              <a:prstClr val="black"/>
+            </a:solidFill>
+          </a:ln>
+        </p:spPr>
+        <p:txBody>
+          <a:bodyPr vert="horz" lIns="91440" tIns="45720" rIns="91440" bIns="45720" rtlCol="0" anchor="ctr"/>
+          <a:lstStyle/>
+          <a:p>
+            <a:endParaRPr lang="en-US"/>
+          </a:p>
+        </p:txBody>
+      </p:sp>
+      <p:sp>
+        <p:nvSpPr>
+          <p:cNvPr id="5" name="Notes Placeholder 4"/>
+          <p:cNvSpPr>
+            <a:spLocks noGrp="1"/>
+          </p:cNvSpPr>
+          <p:nvPr>
+            <p:ph type="body" sz="quarter" idx="3"/>
+          </p:nvPr>
+        </p:nvSpPr>
+        <p:spPr>
+          <a:xfrm>
+            <a:off x="685800" y="4400550"/>
+            <a:ext cx="5486400" cy="3600450"/>
+          </a:xfrm>
+          <a:prstGeom prst="rect">
+            <a:avLst/>
+          </a:prstGeom>
+        </p:spPr>
+        <p:txBody>
+          <a:bodyPr vert="horz" lIns="91440" tIns="45720" rIns="91440" bIns="45720" rtlCol="0"/>
+          <a:lstStyle/>
+          <a:p>
+            <a:pPr lvl="0"/>
+            <a:r>
+              <a:rPr lang="en-US" smtClean="0"/>
+              <a:t>Click to edit Master text styles</a:t>
+            </a:r>
+            <a:endParaRPr lang="en-US" smtClean="0"/>
+          </a:p>
+          <a:p>
+            <a:pPr lvl="1"/>
+            <a:r>
+              <a:rPr lang="en-US" smtClean="0"/>
+              <a:t>Second level</a:t>
+            </a:r>
+            <a:endParaRPr lang="en-US" smtClean="0"/>
+          </a:p>
+          <a:p>
+            <a:pPr lvl="2"/>
+            <a:r>
+              <a:rPr lang="en-US" smtClean="0"/>
+              <a:t>Third level</a:t>
+            </a:r>
+            <a:endParaRPr lang="en-US" smtClean="0"/>
+          </a:p>
+          <a:p>
+            <a:pPr lvl="3"/>
+            <a:r>
+              <a:rPr lang="en-US" smtClean="0"/>
+              <a:t>Fourth level</a:t>
+            </a:r>
+            <a:endParaRPr lang="en-US" smtClean="0"/>
+          </a:p>
+          <a:p>
+            <a:pPr lvl="4"/>
+            <a:r>
+              <a:rPr lang="en-US" smtClean="0"/>
+              <a:t>Fifth level</a:t>
+            </a:r>
+            <a:endParaRPr lang="en-US"/>
+          </a:p>
+        </p:txBody>
+      </p:sp>
+      <p:sp>
+        <p:nvSpPr>
+          <p:cNvPr id="6" name="Footer Placeholder 5"/>
+          <p:cNvSpPr>
+            <a:spLocks noGrp="1"/>
+          </p:cNvSpPr>
+          <p:nvPr>
+            <p:ph type="ftr" sz="quarter" idx="4"/>
+          </p:nvPr>
+        </p:nvSpPr>
+        <p:spPr>
+          <a:xfrm>
+            <a:off x="0" y="8685213"/>
+            <a:ext cx="2971800" cy="458787"/>
+          </a:xfrm>
+          <a:prstGeom prst="rect">
+            <a:avLst/>
+          </a:prstGeom>
+        </p:spPr>
+        <p:txBody>
+          <a:bodyPr vert="horz" lIns="91440" tIns="45720" rIns="91440" bIns="45720" rtlCol="0" anchor="b"/>
+          <a:lstStyle>
+            <a:lvl1pPr algn="l">
+              <a:defRPr sz="1200"/>
+            </a:lvl1pPr>
+          </a:lstStyle>
+          <a:p>
+            <a:endParaRPr lang="en-US"/>
+          </a:p>
+        </p:txBody>
+      </p:sp>
+      <p:sp>
+        <p:nvSpPr>
+          <p:cNvPr id="7" name="Slide Number Placeholder 6"/>
+          <p:cNvSpPr>
+            <a:spLocks noGrp="1"/>
+          </p:cNvSpPr>
+          <p:nvPr>
+            <p:ph type="sldNum" sz="quarter" idx="5"/>
+          </p:nvPr>
+        </p:nvSpPr>
+        <p:spPr>
+          <a:xfrm>
+            <a:off x="3884613" y="8685213"/>
+            <a:ext cx="2971800" cy="458787"/>
+          </a:xfrm>
+          <a:prstGeom prst="rect">
+            <a:avLst/>
+          </a:prstGeom>
+        </p:spPr>
+        <p:txBody>
+          <a:bodyPr vert="horz" lIns="91440" tIns="45720" rIns="91440" bIns="45720" rtlCol="0" anchor="b"/>
+          <a:lstStyle>
+            <a:lvl1pPr algn="r">
+              <a:defRPr sz="1200"/>
+            </a:lvl1pPr>
+          </a:lstStyle>
+          <a:p>
+            <a:fld id="{21B2AA4F-B828-4D7C-AFD3-893933DAFCB4}" type="slidenum">
+              <a:rPr lang="en-US" smtClean="0"/>
+            </a:fld>
+            <a:endParaRPr lang="en-US"/>
+          </a:p>
+        </p:txBody>
+      </p:sp>
+    </p:spTree>
+  </p:cSld>
+  <p:clrMap bg1="lt1" tx1="dk1" bg2="lt2" tx2="dk2" accent1="accent1" accent2="accent2" accent3="accent3" accent4="accent4" accent5="accent5" accent6="accent6" hlink="hlink" folHlink="folHlink"/>
+  <p:notesStyle>
+    <a:lvl1pPr marL="0" algn="l" defTabSz="914400" rtl="0" eaLnBrk="1" latinLnBrk="0" hangingPunct="1">
+      <a:defRPr sz="1200" kern="1200">
+        <a:solidFill>
+          <a:schemeClr val="tx1"/>
+        </a:solidFill>
+        <a:latin typeface="+mn-lt"/>
+        <a:ea typeface="+mn-ea"/>
+        <a:cs typeface="+mn-cs"/>
+      </a:defRPr>
+    </a:lvl1pPr>
+    <a:lvl2pPr marL="457200" algn="l" defTabSz="914400" rtl="0" eaLnBrk="1" latinLnBrk="0" hangingPunct="1">
+      <a:defRPr sz="1200" kern="1200">
+        <a:solidFill>
+          <a:schemeClr val="tx1"/>
+        </a:solidFill>
+        <a:latin typeface="+mn-lt"/>
+        <a:ea typeface="+mn-ea"/>
+        <a:cs typeface="+mn-cs"/>
+      </a:defRPr>
+    </a:lvl2pPr>
+    <a:lvl3pPr marL="914400" algn="l" defTabSz="914400" rtl="0" eaLnBrk="1" latinLnBrk="0" hangingPunct="1">
+      <a:defRPr sz="1200" kern="1200">
+        <a:solidFill>
+          <a:schemeClr val="tx1"/>
+        </a:solidFill>
+        <a:latin typeface="+mn-lt"/>
+        <a:ea typeface="+mn-ea"/>
+        <a:cs typeface="+mn-cs"/>
+      </a:defRPr>
+    </a:lvl3pPr>
+    <a:lvl4pPr marL="1371600" algn="l" defTabSz="914400" rtl="0" eaLnBrk="1" latinLnBrk="0" hangingPunct="1">
+      <a:defRPr sz="1200" kern="1200">
+        <a:solidFill>
+          <a:schemeClr val="tx1"/>
+        </a:solidFill>
+        <a:latin typeface="+mn-lt"/>
+        <a:ea typeface="+mn-ea"/>
+        <a:cs typeface="+mn-cs"/>
+      </a:defRPr>
+    </a:lvl4pPr>
+    <a:lvl5pPr marL="1828800" algn="l" defTabSz="914400" rtl="0" eaLnBrk="1" latinLnBrk="0" hangingPunct="1">
+      <a:defRPr sz="1200" kern="1200">
+        <a:solidFill>
+          <a:schemeClr val="tx1"/>
+        </a:solidFill>
+        <a:latin typeface="+mn-lt"/>
+        <a:ea typeface="+mn-ea"/>
+        <a:cs typeface="+mn-cs"/>
+      </a:defRPr>
+    </a:lvl5pPr>
+    <a:lvl6pPr marL="2286000" algn="l" defTabSz="914400" rtl="0" eaLnBrk="1" latinLnBrk="0" hangingPunct="1">
+      <a:defRPr sz="1200" kern="1200">
+        <a:solidFill>
+          <a:schemeClr val="tx1"/>
+        </a:solidFill>
+        <a:latin typeface="+mn-lt"/>
+        <a:ea typeface="+mn-ea"/>
+        <a:cs typeface="+mn-cs"/>
+      </a:defRPr>
+    </a:lvl6pPr>
+    <a:lvl7pPr marL="2743200" algn="l" defTabSz="914400" rtl="0" eaLnBrk="1" latinLnBrk="0" hangingPunct="1">
+      <a:defRPr sz="1200" kern="1200">
+        <a:solidFill>
+          <a:schemeClr val="tx1"/>
+        </a:solidFill>
+        <a:latin typeface="+mn-lt"/>
+        <a:ea typeface="+mn-ea"/>
+        <a:cs typeface="+mn-cs"/>
+      </a:defRPr>
+    </a:lvl7pPr>
+    <a:lvl8pPr marL="3200400" algn="l" defTabSz="914400" rtl="0" eaLnBrk="1" latinLnBrk="0" hangingPunct="1">
+      <a:defRPr sz="1200" kern="1200">
+        <a:solidFill>
+          <a:schemeClr val="tx1"/>
+        </a:solidFill>
+        <a:latin typeface="+mn-lt"/>
+        <a:ea typeface="+mn-ea"/>
+        <a:cs typeface="+mn-cs"/>
+      </a:defRPr>
+    </a:lvl8pPr>
+    <a:lvl9pPr marL="3657600" algn="l" defTabSz="914400" rtl="0" eaLnBrk="1" latinLnBrk="0" hangingPunct="1">
+      <a:defRPr sz="1200" kern="1200">
+        <a:solidFill>
+          <a:schemeClr val="tx1"/>
+        </a:solidFill>
+        <a:latin typeface="+mn-lt"/>
+        <a:ea typeface="+mn-ea"/>
+        <a:cs typeface="+mn-cs"/>
+      </a:defRPr>
+    </a:lvl9pPr>
+  </p:notesStyle>
+</p:notesMaster>
+</file>
+
 <file path=ppt/slideLayouts/slideLayout1.xml><?xml version="1.0" encoding="utf-8"?>
 <p:sldLayout xmlns:a="http://schemas.openxmlformats.org/drawingml/2006/main" xmlns:r="http://schemas.openxmlformats.org/officeDocument/2006/relationships" xmlns:p="http://schemas.openxmlformats.org/presentationml/2006/main" type="title" preserve="1">
   <p:cSld name="Title Slide">
@@ -260,6 +610,10 @@
           <a:bodyPr/>
           <a:lstStyle/>
           <a:p>
+            <a:r>
+              <a:rPr lang="en-US"/>
+              <a:t>Work examples quoted are not an exact replica but extrapolated to adhere to non-disclosure agreements signed with the client although several years ago.</a:t>
+            </a:r>
             <a:endParaRPr lang="en-US"/>
           </a:p>
         </p:txBody>
@@ -291,6 +645,7 @@
   <p:clrMapOvr>
     <a:masterClrMapping/>
   </p:clrMapOvr>
+  <p:hf sldNum="0" hdr="0" dt="0"/>
 </p:sldLayout>
 </file>
 
@@ -427,6 +782,10 @@
           <a:bodyPr/>
           <a:lstStyle/>
           <a:p>
+            <a:r>
+              <a:rPr lang="en-US"/>
+              <a:t>Work examples quoted are not an exact replica but extrapolated to adhere to non-disclosure agreements signed with the client although several years ago.</a:t>
+            </a:r>
             <a:endParaRPr lang="en-US"/>
           </a:p>
         </p:txBody>
@@ -458,6 +817,7 @@
   <p:clrMapOvr>
     <a:masterClrMapping/>
   </p:clrMapOvr>
+  <p:hf sldNum="0" hdr="0" dt="0"/>
 </p:sldLayout>
 </file>
 
@@ -604,6 +964,10 @@
           <a:bodyPr/>
           <a:lstStyle/>
           <a:p>
+            <a:r>
+              <a:rPr lang="en-US"/>
+              <a:t>Work examples quoted are not an exact replica but extrapolated to adhere to non-disclosure agreements signed with the client although several years ago.</a:t>
+            </a:r>
             <a:endParaRPr lang="en-US"/>
           </a:p>
         </p:txBody>
@@ -635,6 +999,7 @@
   <p:clrMapOvr>
     <a:masterClrMapping/>
   </p:clrMapOvr>
+  <p:hf sldNum="0" hdr="0" dt="0"/>
 </p:sldLayout>
 </file>
 
@@ -771,6 +1136,10 @@
           <a:bodyPr/>
           <a:lstStyle/>
           <a:p>
+            <a:r>
+              <a:rPr lang="en-US"/>
+              <a:t>Work examples quoted are not an exact replica but extrapolated to adhere to non-disclosure agreements signed with the client although several years ago.</a:t>
+            </a:r>
             <a:endParaRPr lang="en-US"/>
           </a:p>
         </p:txBody>
@@ -802,6 +1171,7 @@
   <p:clrMapOvr>
     <a:masterClrMapping/>
   </p:clrMapOvr>
+  <p:hf sldNum="0" hdr="0" dt="0"/>
 </p:sldLayout>
 </file>
 
@@ -1010,6 +1380,10 @@
           <a:bodyPr/>
           <a:lstStyle/>
           <a:p>
+            <a:r>
+              <a:rPr lang="en-US"/>
+              <a:t>Work examples quoted are not an exact replica but extrapolated to adhere to non-disclosure agreements signed with the client although several years ago.</a:t>
+            </a:r>
             <a:endParaRPr lang="en-US"/>
           </a:p>
         </p:txBody>
@@ -1041,6 +1415,7 @@
   <p:clrMapOvr>
     <a:masterClrMapping/>
   </p:clrMapOvr>
+  <p:hf sldNum="0" hdr="0" dt="0"/>
 </p:sldLayout>
 </file>
 
@@ -1243,6 +1618,10 @@
           <a:bodyPr/>
           <a:lstStyle/>
           <a:p>
+            <a:r>
+              <a:rPr lang="en-US"/>
+              <a:t>Work examples quoted are not an exact replica but extrapolated to adhere to non-disclosure agreements signed with the client although several years ago.</a:t>
+            </a:r>
             <a:endParaRPr lang="en-US"/>
           </a:p>
         </p:txBody>
@@ -1274,6 +1653,7 @@
   <p:clrMapOvr>
     <a:masterClrMapping/>
   </p:clrMapOvr>
+  <p:hf sldNum="0" hdr="0" dt="0"/>
 </p:sldLayout>
 </file>
 
@@ -1611,6 +1991,10 @@
           <a:bodyPr/>
           <a:lstStyle/>
           <a:p>
+            <a:r>
+              <a:rPr lang="en-US"/>
+              <a:t>Work examples quoted are not an exact replica but extrapolated to adhere to non-disclosure agreements signed with the client although several years ago.</a:t>
+            </a:r>
             <a:endParaRPr lang="en-US"/>
           </a:p>
         </p:txBody>
@@ -1642,6 +2026,7 @@
   <p:clrMapOvr>
     <a:masterClrMapping/>
   </p:clrMapOvr>
+  <p:hf sldNum="0" hdr="0" dt="0"/>
 </p:sldLayout>
 </file>
 
@@ -1722,6 +2107,10 @@
           <a:bodyPr/>
           <a:lstStyle/>
           <a:p>
+            <a:r>
+              <a:rPr lang="en-US"/>
+              <a:t>Work examples quoted are not an exact replica but extrapolated to adhere to non-disclosure agreements signed with the client although several years ago.</a:t>
+            </a:r>
             <a:endParaRPr lang="en-US"/>
           </a:p>
         </p:txBody>
@@ -1753,6 +2142,7 @@
   <p:clrMapOvr>
     <a:masterClrMapping/>
   </p:clrMapOvr>
+  <p:hf sldNum="0" hdr="0" dt="0"/>
 </p:sldLayout>
 </file>
 
@@ -1810,6 +2200,10 @@
           <a:bodyPr/>
           <a:lstStyle/>
           <a:p>
+            <a:r>
+              <a:rPr lang="en-US"/>
+              <a:t>Work examples quoted are not an exact replica but extrapolated to adhere to non-disclosure agreements signed with the client although several years ago.</a:t>
+            </a:r>
             <a:endParaRPr lang="en-US"/>
           </a:p>
         </p:txBody>
@@ -1841,6 +2235,7 @@
   <p:clrMapOvr>
     <a:masterClrMapping/>
   </p:clrMapOvr>
+  <p:hf sldNum="0" hdr="0" dt="0"/>
 </p:sldLayout>
 </file>
 
@@ -2084,6 +2479,10 @@
           <a:bodyPr/>
           <a:lstStyle/>
           <a:p>
+            <a:r>
+              <a:rPr lang="en-US"/>
+              <a:t>Work examples quoted are not an exact replica but extrapolated to adhere to non-disclosure agreements signed with the client although several years ago.</a:t>
+            </a:r>
             <a:endParaRPr lang="en-US"/>
           </a:p>
         </p:txBody>
@@ -2115,6 +2514,7 @@
   <p:clrMapOvr>
     <a:masterClrMapping/>
   </p:clrMapOvr>
+  <p:hf sldNum="0" hdr="0" dt="0"/>
 </p:sldLayout>
 </file>
 
@@ -2330,6 +2730,10 @@
           <a:bodyPr/>
           <a:lstStyle/>
           <a:p>
+            <a:r>
+              <a:rPr lang="en-US"/>
+              <a:t>Work examples quoted are not an exact replica but extrapolated to adhere to non-disclosure agreements signed with the client although several years ago.</a:t>
+            </a:r>
             <a:endParaRPr lang="en-US"/>
           </a:p>
         </p:txBody>
@@ -2368,6 +2772,7 @@
       </p:par>
     </p:tnLst>
   </p:timing>
+  <p:hf sldNum="0" hdr="0" dt="0"/>
 </p:sldLayout>
 </file>
 
@@ -2565,6 +2970,10 @@
             </a:lvl1pPr>
           </a:lstStyle>
           <a:p>
+            <a:r>
+              <a:rPr lang="en-US"/>
+              <a:t>Work examples quoted are not an exact replica but extrapolated to adhere to non-disclosure agreements signed with the client although several years ago.</a:t>
+            </a:r>
             <a:endParaRPr lang="en-US"/>
           </a:p>
         </p:txBody>
@@ -2625,6 +3034,7 @@
     <p:sldLayoutId id="2147483658" r:id="rId10"/>
     <p:sldLayoutId id="2147483659" r:id="rId11"/>
   </p:sldLayoutIdLst>
+  <p:hf sldNum="0" hdr="0" dt="0"/>
   <p:txStyles>
     <p:titleStyle>
       <a:lvl1pPr algn="l" defTabSz="914400" rtl="0" eaLnBrk="1" latinLnBrk="0" hangingPunct="1">
@@ -3009,6 +3419,33 @@
           </a:p>
         </p:txBody>
       </p:sp>
+      <p:sp>
+        <p:nvSpPr>
+          <p:cNvPr id="4" name="Footer Placeholder 3"/>
+          <p:cNvSpPr>
+            <a:spLocks noGrp="1"/>
+          </p:cNvSpPr>
+          <p:nvPr>
+            <p:ph type="ftr" sz="quarter" idx="11"/>
+          </p:nvPr>
+        </p:nvSpPr>
+        <p:spPr>
+          <a:xfrm>
+            <a:off x="276225" y="6357620"/>
+            <a:ext cx="11722735" cy="365125"/>
+          </a:xfrm>
+        </p:spPr>
+        <p:txBody>
+          <a:bodyPr/>
+          <a:p>
+            <a:r>
+              <a:rPr lang="en-US"/>
+              <a:t>Work examples quoted are not an exact replica but extrapolated to adhere to non-disclosure agreements signed with the client although several years ago.</a:t>
+            </a:r>
+            <a:endParaRPr lang="en-US"/>
+          </a:p>
+        </p:txBody>
+      </p:sp>
     </p:spTree>
   </p:cSld>
   <p:clrMapOvr>
@@ -3335,6 +3772,33 @@
           </a:p>
         </p:txBody>
       </p:sp>
+      <p:sp>
+        <p:nvSpPr>
+          <p:cNvPr id="4" name="Footer Placeholder 3"/>
+          <p:cNvSpPr>
+            <a:spLocks noGrp="1"/>
+          </p:cNvSpPr>
+          <p:nvPr>
+            <p:ph type="ftr" sz="quarter" idx="11"/>
+          </p:nvPr>
+        </p:nvSpPr>
+        <p:spPr>
+          <a:xfrm>
+            <a:off x="147320" y="6357620"/>
+            <a:ext cx="11874500" cy="365125"/>
+          </a:xfrm>
+        </p:spPr>
+        <p:txBody>
+          <a:bodyPr/>
+          <a:p>
+            <a:r>
+              <a:rPr lang="en-US"/>
+              <a:t>Work examples quoted are not an exact replica but extrapolated to adhere to non-disclosure agreements signed with the client although several years ago.</a:t>
+            </a:r>
+            <a:endParaRPr lang="en-US"/>
+          </a:p>
+        </p:txBody>
+      </p:sp>
     </p:spTree>
   </p:cSld>
   <p:clrMapOvr>
@@ -3742,6 +4206,33 @@
                 <a:srgbClr val="00B050"/>
               </a:solidFill>
             </a:endParaRPr>
+          </a:p>
+        </p:txBody>
+      </p:sp>
+      <p:sp>
+        <p:nvSpPr>
+          <p:cNvPr id="4" name="Footer Placeholder 3"/>
+          <p:cNvSpPr>
+            <a:spLocks noGrp="1"/>
+          </p:cNvSpPr>
+          <p:nvPr>
+            <p:ph type="ftr" sz="quarter" idx="11"/>
+          </p:nvPr>
+        </p:nvSpPr>
+        <p:spPr>
+          <a:xfrm>
+            <a:off x="181610" y="6357620"/>
+            <a:ext cx="11910060" cy="365125"/>
+          </a:xfrm>
+        </p:spPr>
+        <p:txBody>
+          <a:bodyPr/>
+          <a:p>
+            <a:r>
+              <a:rPr lang="en-US"/>
+              <a:t>Work examples quoted are not an exact replica but extrapolated to adhere to non-disclosure agreements signed with the client although several years ago.</a:t>
+            </a:r>
+            <a:endParaRPr lang="en-US"/>
           </a:p>
         </p:txBody>
       </p:sp>
@@ -4012,4 +4503,265 @@
     </a:ext>
   </a:extLst>
 </a:theme>
+</file>
+
+<file path=ppt/theme/theme2.xml><?xml version="1.0" encoding="utf-8"?>
+<a:theme xmlns:a="http://schemas.openxmlformats.org/drawingml/2006/main" name="Office Theme">
+  <a:themeElements>
+    <a:clrScheme name="Office">
+      <a:dk1>
+        <a:sysClr val="windowText" lastClr="000000"/>
+      </a:dk1>
+      <a:lt1>
+        <a:sysClr val="window" lastClr="FFFFFF"/>
+      </a:lt1>
+      <a:dk2>
+        <a:srgbClr val="44546A"/>
+      </a:dk2>
+      <a:lt2>
+        <a:srgbClr val="E7E6E6"/>
+      </a:lt2>
+      <a:accent1>
+        <a:srgbClr val="5B9BD5"/>
+      </a:accent1>
+      <a:accent2>
+        <a:srgbClr val="ED7D31"/>
+      </a:accent2>
+      <a:accent3>
+        <a:srgbClr val="A5A5A5"/>
+      </a:accent3>
+      <a:accent4>
+        <a:srgbClr val="FFC000"/>
+      </a:accent4>
+      <a:accent5>
+        <a:srgbClr val="4472C4"/>
+      </a:accent5>
+      <a:accent6>
+        <a:srgbClr val="70AD47"/>
+      </a:accent6>
+      <a:hlink>
+        <a:srgbClr val="0563C1"/>
+      </a:hlink>
+      <a:folHlink>
+        <a:srgbClr val="954F72"/>
+      </a:folHlink>
+    </a:clrScheme>
+    <a:fontScheme name="Office">
+      <a:majorFont>
+        <a:latin typeface="Calibri Light"/>
+        <a:ea typeface=""/>
+        <a:cs typeface=""/>
+        <a:font script="Jpan" typeface="ＭＳ Ｐゴシック"/>
+        <a:font script="Hang" typeface="맑은 고딕"/>
+        <a:font script="Hans" typeface="宋体"/>
+        <a:font script="Hant" typeface="新細明體"/>
+        <a:font script="Arab" typeface="Times New Roman"/>
+        <a:font script="Hebr" typeface="Times New Roman"/>
+        <a:font script="Thai" typeface="Angsana New"/>
+        <a:font script="Ethi" typeface="Nyala"/>
+        <a:font script="Beng" typeface="Vrinda"/>
+        <a:font script="Gujr" typeface="Shruti"/>
+        <a:font script="Khmr" typeface="MoolBoran"/>
+        <a:font script="Knda" typeface="Tunga"/>
+        <a:font script="Guru" typeface="Raavi"/>
+        <a:font script="Cans" typeface="Euphemia"/>
+        <a:font script="Cher" typeface="Plantagenet Cherokee"/>
+        <a:font script="Yiii" typeface="Microsoft Yi Baiti"/>
+        <a:font script="Tibt" typeface="Microsoft Himalaya"/>
+        <a:font script="Thaa" typeface="MV Boli"/>
+        <a:font script="Deva" typeface="Mangal"/>
+        <a:font script="Telu" typeface="Gautami"/>
+        <a:font script="Taml" typeface="Latha"/>
+        <a:font script="Syrc" typeface="Estrangelo Edessa"/>
+        <a:font script="Orya" typeface="Kalinga"/>
+        <a:font script="Mlym" typeface="Kartika"/>
+        <a:font script="Laoo" typeface="DokChampa"/>
+        <a:font script="Sinh" typeface="Iskoola Pota"/>
+        <a:font script="Mong" typeface="Mongolian Baiti"/>
+        <a:font script="Viet" typeface="Times New Roman"/>
+        <a:font script="Uigh" typeface="Microsoft Uighur"/>
+        <a:font script="Geor" typeface="Sylfaen"/>
+      </a:majorFont>
+      <a:minorFont>
+        <a:latin typeface="Calibri"/>
+        <a:ea typeface=""/>
+        <a:cs typeface=""/>
+        <a:font script="Jpan" typeface="ＭＳ Ｐゴシック"/>
+        <a:font script="Hang" typeface="맑은 고딕"/>
+        <a:font script="Hans" typeface="宋体"/>
+        <a:font script="Hant" typeface="新細明體"/>
+        <a:font script="Arab" typeface="Arial"/>
+        <a:font script="Hebr" typeface="Arial"/>
+        <a:font script="Thai" typeface="Cordia New"/>
+        <a:font script="Ethi" typeface="Nyala"/>
+        <a:font script="Beng" typeface="Vrinda"/>
+        <a:font script="Gujr" typeface="Shruti"/>
+        <a:font script="Khmr" typeface="DaunPenh"/>
+        <a:font script="Knda" typeface="Tunga"/>
+        <a:font script="Guru" typeface="Raavi"/>
+        <a:font script="Cans" typeface="Euphemia"/>
+        <a:font script="Cher" typeface="Plantagenet Cherokee"/>
+        <a:font script="Yiii" typeface="Microsoft Yi Baiti"/>
+        <a:font script="Tibt" typeface="Microsoft Himalaya"/>
+        <a:font script="Thaa" typeface="MV Boli"/>
+        <a:font script="Deva" typeface="Mangal"/>
+        <a:font script="Telu" typeface="Gautami"/>
+        <a:font script="Taml" typeface="Latha"/>
+        <a:font script="Syrc" typeface="Estrangelo Edessa"/>
+        <a:font script="Orya" typeface="Kalinga"/>
+        <a:font script="Mlym" typeface="Kartika"/>
+        <a:font script="Laoo" typeface="DokChampa"/>
+        <a:font script="Sinh" typeface="Iskoola Pota"/>
+        <a:font script="Mong" typeface="Mongolian Baiti"/>
+        <a:font script="Viet" typeface="Arial"/>
+        <a:font script="Uigh" typeface="Microsoft Uighur"/>
+        <a:font script="Geor" typeface="Sylfaen"/>
+      </a:minorFont>
+    </a:fontScheme>
+    <a:fmtScheme name="Office">
+      <a:fillStyleLst>
+        <a:solidFill>
+          <a:schemeClr val="phClr"/>
+        </a:solidFill>
+        <a:gradFill rotWithShape="1">
+          <a:gsLst>
+            <a:gs pos="0">
+              <a:schemeClr val="phClr">
+                <a:lumMod val="110000"/>
+                <a:satMod val="105000"/>
+                <a:tint val="67000"/>
+              </a:schemeClr>
+            </a:gs>
+            <a:gs pos="50000">
+              <a:schemeClr val="phClr">
+                <a:lumMod val="105000"/>
+                <a:satMod val="103000"/>
+                <a:tint val="73000"/>
+              </a:schemeClr>
+            </a:gs>
+            <a:gs pos="100000">
+              <a:schemeClr val="phClr">
+                <a:lumMod val="105000"/>
+                <a:satMod val="109000"/>
+                <a:tint val="81000"/>
+              </a:schemeClr>
+            </a:gs>
+          </a:gsLst>
+          <a:lin ang="5400000" scaled="0"/>
+        </a:gradFill>
+        <a:gradFill rotWithShape="1">
+          <a:gsLst>
+            <a:gs pos="0">
+              <a:schemeClr val="phClr">
+                <a:satMod val="103000"/>
+                <a:lumMod val="102000"/>
+                <a:tint val="94000"/>
+              </a:schemeClr>
+            </a:gs>
+            <a:gs pos="50000">
+              <a:schemeClr val="phClr">
+                <a:satMod val="110000"/>
+                <a:lumMod val="100000"/>
+                <a:shade val="100000"/>
+              </a:schemeClr>
+            </a:gs>
+            <a:gs pos="100000">
+              <a:schemeClr val="phClr">
+                <a:lumMod val="99000"/>
+                <a:satMod val="120000"/>
+                <a:shade val="78000"/>
+              </a:schemeClr>
+            </a:gs>
+          </a:gsLst>
+          <a:lin ang="5400000" scaled="0"/>
+        </a:gradFill>
+      </a:fillStyleLst>
+      <a:lnStyleLst>
+        <a:ln w="6350" cap="flat" cmpd="sng" algn="ctr">
+          <a:solidFill>
+            <a:schemeClr val="phClr"/>
+          </a:solidFill>
+          <a:prstDash val="solid"/>
+          <a:miter lim="800000"/>
+        </a:ln>
+        <a:ln w="12700" cap="flat" cmpd="sng" algn="ctr">
+          <a:solidFill>
+            <a:schemeClr val="phClr"/>
+          </a:solidFill>
+          <a:prstDash val="solid"/>
+          <a:miter lim="800000"/>
+        </a:ln>
+        <a:ln w="19050" cap="flat" cmpd="sng" algn="ctr">
+          <a:solidFill>
+            <a:schemeClr val="phClr"/>
+          </a:solidFill>
+          <a:prstDash val="solid"/>
+          <a:miter lim="800000"/>
+        </a:ln>
+      </a:lnStyleLst>
+      <a:effectStyleLst>
+        <a:effectStyle>
+          <a:effectLst/>
+        </a:effectStyle>
+        <a:effectStyle>
+          <a:effectLst/>
+        </a:effectStyle>
+        <a:effectStyle>
+          <a:effectLst>
+            <a:outerShdw blurRad="57150" dist="19050" dir="5400000" algn="ctr" rotWithShape="0">
+              <a:srgbClr val="000000">
+                <a:alpha val="63000"/>
+              </a:srgbClr>
+            </a:outerShdw>
+          </a:effectLst>
+        </a:effectStyle>
+      </a:effectStyleLst>
+      <a:bgFillStyleLst>
+        <a:solidFill>
+          <a:schemeClr val="phClr"/>
+        </a:solidFill>
+        <a:solidFill>
+          <a:schemeClr val="phClr">
+            <a:tint val="95000"/>
+            <a:satMod val="170000"/>
+          </a:schemeClr>
+        </a:solidFill>
+        <a:gradFill rotWithShape="1">
+          <a:gsLst>
+            <a:gs pos="0">
+              <a:schemeClr val="phClr">
+                <a:tint val="93000"/>
+                <a:satMod val="150000"/>
+                <a:shade val="98000"/>
+                <a:lumMod val="102000"/>
+              </a:schemeClr>
+            </a:gs>
+            <a:gs pos="50000">
+              <a:schemeClr val="phClr">
+                <a:tint val="98000"/>
+                <a:satMod val="130000"/>
+                <a:shade val="90000"/>
+                <a:lumMod val="103000"/>
+              </a:schemeClr>
+            </a:gs>
+            <a:gs pos="100000">
+              <a:schemeClr val="phClr">
+                <a:shade val="63000"/>
+                <a:satMod val="120000"/>
+              </a:schemeClr>
+            </a:gs>
+          </a:gsLst>
+          <a:lin ang="5400000" scaled="0"/>
+        </a:gradFill>
+      </a:bgFillStyleLst>
+    </a:fmtScheme>
+  </a:themeElements>
+  <a:objectDefaults/>
+  <a:extraClrSchemeLst/>
+  <a:extLst>
+    <a:ext uri="{05A4C25C-085E-4340-85A3-A5531E510DB2}">
+      <thm15:themeFamily xmlns:thm15="http://schemas.microsoft.com/office/thememl/2012/main" name="Office Theme" id="{62F939B6-93AF-4DB8-9C6B-D6C7DFDC589F}" vid="{4A3C46E8-61CC-4603-A589-7422A47A8E4A}"/>
+    </a:ext>
+  </a:extLst>
+</a:theme>
 </file>